--- a/ppt 16-9/0488.兴起吧！我的心.pptx
+++ b/ppt 16-9/0488.兴起吧！我的心.pptx
@@ -5,7 +5,7 @@
     <p:sldMasterId id="2147483648" r:id="rId1"/>
   </p:sldMasterIdLst>
   <p:sldIdLst>
-    <p:sldId id="2998" r:id="rId2"/>
+    <p:sldId id="3000" r:id="rId2"/>
   </p:sldIdLst>
   <p:sldSz cx="12192000" cy="6858000"/>
   <p:notesSz cx="6858000" cy="9144000"/>
@@ -129,7 +129,7 @@
           <p:cNvPr id="2" name="标题 1">
             <a:extLst>
               <a:ext uri="{FF2B5EF4-FFF2-40B4-BE49-F238E27FC236}">
-                <a16:creationId xmlns:a16="http://schemas.microsoft.com/office/drawing/2014/main" id="{B9B96A69-886F-DACF-A7C4-F024349B326B}"/>
+                <a16:creationId xmlns:a16="http://schemas.microsoft.com/office/drawing/2014/main" id="{98EF4036-B4CB-196C-6D48-AB94E42744D6}"/>
               </a:ext>
             </a:extLst>
           </p:cNvPr>
@@ -166,7 +166,7 @@
           <p:cNvPr id="3" name="副标题 2">
             <a:extLst>
               <a:ext uri="{FF2B5EF4-FFF2-40B4-BE49-F238E27FC236}">
-                <a16:creationId xmlns:a16="http://schemas.microsoft.com/office/drawing/2014/main" id="{4572B8C9-2B03-E07D-A3AC-4C570EEC8F7D}"/>
+                <a16:creationId xmlns:a16="http://schemas.microsoft.com/office/drawing/2014/main" id="{850E3F8A-7D1B-1CA2-197C-BBDCFF7199F6}"/>
               </a:ext>
             </a:extLst>
           </p:cNvPr>
@@ -236,7 +236,7 @@
           <p:cNvPr id="4" name="日期占位符 3">
             <a:extLst>
               <a:ext uri="{FF2B5EF4-FFF2-40B4-BE49-F238E27FC236}">
-                <a16:creationId xmlns:a16="http://schemas.microsoft.com/office/drawing/2014/main" id="{1FFF5176-0151-CDB2-2897-85CC72782619}"/>
+                <a16:creationId xmlns:a16="http://schemas.microsoft.com/office/drawing/2014/main" id="{7E045141-E958-8716-2D8E-913DD6599F1E}"/>
               </a:ext>
             </a:extLst>
           </p:cNvPr>
@@ -252,7 +252,7 @@
           <a:bodyPr/>
           <a:lstStyle/>
           <a:p>
-            <a:fld id="{715AA3DE-EC98-4AF9-97DF-F4BC53C21373}" type="datetimeFigureOut">
+            <a:fld id="{82D64DA0-1561-4014-BFEE-4B127CE7E4EE}" type="datetimeFigureOut">
               <a:rPr lang="zh-CN" altLang="en-US" smtClean="0"/>
               <a:t>2024/3/10</a:t>
             </a:fld>
@@ -265,7 +265,7 @@
           <p:cNvPr id="5" name="页脚占位符 4">
             <a:extLst>
               <a:ext uri="{FF2B5EF4-FFF2-40B4-BE49-F238E27FC236}">
-                <a16:creationId xmlns:a16="http://schemas.microsoft.com/office/drawing/2014/main" id="{600FD859-8C61-FA68-7997-5F984D320403}"/>
+                <a16:creationId xmlns:a16="http://schemas.microsoft.com/office/drawing/2014/main" id="{CCDADBBC-905B-ED28-464A-E338B7728FCB}"/>
               </a:ext>
             </a:extLst>
           </p:cNvPr>
@@ -290,7 +290,7 @@
           <p:cNvPr id="6" name="灯片编号占位符 5">
             <a:extLst>
               <a:ext uri="{FF2B5EF4-FFF2-40B4-BE49-F238E27FC236}">
-                <a16:creationId xmlns:a16="http://schemas.microsoft.com/office/drawing/2014/main" id="{8FE6801F-2BED-CFEE-1694-20F79410CC57}"/>
+                <a16:creationId xmlns:a16="http://schemas.microsoft.com/office/drawing/2014/main" id="{42495324-D868-4450-FE30-ECEC7A2F430D}"/>
               </a:ext>
             </a:extLst>
           </p:cNvPr>
@@ -306,7 +306,7 @@
           <a:bodyPr/>
           <a:lstStyle/>
           <a:p>
-            <a:fld id="{47007762-54D8-43CE-8EDB-3122152FD2E6}" type="slidenum">
+            <a:fld id="{3782B79C-B74E-4A09-A5A0-ED78ADBD8A9E}" type="slidenum">
               <a:rPr lang="zh-CN" altLang="en-US" smtClean="0"/>
               <a:t>‹#›</a:t>
             </a:fld>
@@ -317,7 +317,7 @@
     </p:spTree>
     <p:extLst>
       <p:ext uri="{BB962C8B-B14F-4D97-AF65-F5344CB8AC3E}">
-        <p14:creationId xmlns:p14="http://schemas.microsoft.com/office/powerpoint/2010/main" val="2434130241"/>
+        <p14:creationId xmlns:p14="http://schemas.microsoft.com/office/powerpoint/2010/main" val="477504826"/>
       </p:ext>
     </p:extLst>
   </p:cSld>
@@ -349,7 +349,7 @@
           <p:cNvPr id="2" name="标题 1">
             <a:extLst>
               <a:ext uri="{FF2B5EF4-FFF2-40B4-BE49-F238E27FC236}">
-                <a16:creationId xmlns:a16="http://schemas.microsoft.com/office/drawing/2014/main" id="{468F59CF-00B0-A70B-41E8-F1ACB57ED667}"/>
+                <a16:creationId xmlns:a16="http://schemas.microsoft.com/office/drawing/2014/main" id="{52DF6456-46B8-3A41-7827-940F3D906B80}"/>
               </a:ext>
             </a:extLst>
           </p:cNvPr>
@@ -377,7 +377,7 @@
           <p:cNvPr id="3" name="竖排文字占位符 2">
             <a:extLst>
               <a:ext uri="{FF2B5EF4-FFF2-40B4-BE49-F238E27FC236}">
-                <a16:creationId xmlns:a16="http://schemas.microsoft.com/office/drawing/2014/main" id="{FFCD92CA-C1FA-9791-21B9-2D114741BC87}"/>
+                <a16:creationId xmlns:a16="http://schemas.microsoft.com/office/drawing/2014/main" id="{0D893E69-D089-2F21-32BC-2448262A7514}"/>
               </a:ext>
             </a:extLst>
           </p:cNvPr>
@@ -434,7 +434,7 @@
           <p:cNvPr id="4" name="日期占位符 3">
             <a:extLst>
               <a:ext uri="{FF2B5EF4-FFF2-40B4-BE49-F238E27FC236}">
-                <a16:creationId xmlns:a16="http://schemas.microsoft.com/office/drawing/2014/main" id="{AD761959-831C-027A-D2F2-B19DBF5FB878}"/>
+                <a16:creationId xmlns:a16="http://schemas.microsoft.com/office/drawing/2014/main" id="{5D2B191E-158A-2D9F-A1CF-57FACCE72A55}"/>
               </a:ext>
             </a:extLst>
           </p:cNvPr>
@@ -450,7 +450,7 @@
           <a:bodyPr/>
           <a:lstStyle/>
           <a:p>
-            <a:fld id="{715AA3DE-EC98-4AF9-97DF-F4BC53C21373}" type="datetimeFigureOut">
+            <a:fld id="{82D64DA0-1561-4014-BFEE-4B127CE7E4EE}" type="datetimeFigureOut">
               <a:rPr lang="zh-CN" altLang="en-US" smtClean="0"/>
               <a:t>2024/3/10</a:t>
             </a:fld>
@@ -463,7 +463,7 @@
           <p:cNvPr id="5" name="页脚占位符 4">
             <a:extLst>
               <a:ext uri="{FF2B5EF4-FFF2-40B4-BE49-F238E27FC236}">
-                <a16:creationId xmlns:a16="http://schemas.microsoft.com/office/drawing/2014/main" id="{44500B96-2544-335C-BBD6-589C2DB52236}"/>
+                <a16:creationId xmlns:a16="http://schemas.microsoft.com/office/drawing/2014/main" id="{9B30E985-07FD-E8F0-B32D-E9E6D0A3032E}"/>
               </a:ext>
             </a:extLst>
           </p:cNvPr>
@@ -488,7 +488,7 @@
           <p:cNvPr id="6" name="灯片编号占位符 5">
             <a:extLst>
               <a:ext uri="{FF2B5EF4-FFF2-40B4-BE49-F238E27FC236}">
-                <a16:creationId xmlns:a16="http://schemas.microsoft.com/office/drawing/2014/main" id="{8E08F893-077E-E41D-720D-2616B4CCCC66}"/>
+                <a16:creationId xmlns:a16="http://schemas.microsoft.com/office/drawing/2014/main" id="{1ED0EA59-36C7-6F9F-3B18-083DCDD061E1}"/>
               </a:ext>
             </a:extLst>
           </p:cNvPr>
@@ -504,7 +504,7 @@
           <a:bodyPr/>
           <a:lstStyle/>
           <a:p>
-            <a:fld id="{47007762-54D8-43CE-8EDB-3122152FD2E6}" type="slidenum">
+            <a:fld id="{3782B79C-B74E-4A09-A5A0-ED78ADBD8A9E}" type="slidenum">
               <a:rPr lang="zh-CN" altLang="en-US" smtClean="0"/>
               <a:t>‹#›</a:t>
             </a:fld>
@@ -515,7 +515,7 @@
     </p:spTree>
     <p:extLst>
       <p:ext uri="{BB962C8B-B14F-4D97-AF65-F5344CB8AC3E}">
-        <p14:creationId xmlns:p14="http://schemas.microsoft.com/office/powerpoint/2010/main" val="4214721130"/>
+        <p14:creationId xmlns:p14="http://schemas.microsoft.com/office/powerpoint/2010/main" val="2995095200"/>
       </p:ext>
     </p:extLst>
   </p:cSld>
@@ -547,7 +547,7 @@
           <p:cNvPr id="2" name="竖排标题 1">
             <a:extLst>
               <a:ext uri="{FF2B5EF4-FFF2-40B4-BE49-F238E27FC236}">
-                <a16:creationId xmlns:a16="http://schemas.microsoft.com/office/drawing/2014/main" id="{A6F4232E-45DE-4601-1494-CDD54001E960}"/>
+                <a16:creationId xmlns:a16="http://schemas.microsoft.com/office/drawing/2014/main" id="{57719DAF-F4CF-C007-52A8-74CC2AEC069B}"/>
               </a:ext>
             </a:extLst>
           </p:cNvPr>
@@ -580,7 +580,7 @@
           <p:cNvPr id="3" name="竖排文字占位符 2">
             <a:extLst>
               <a:ext uri="{FF2B5EF4-FFF2-40B4-BE49-F238E27FC236}">
-                <a16:creationId xmlns:a16="http://schemas.microsoft.com/office/drawing/2014/main" id="{34A863F5-F142-6D25-92E1-6CA398C885FD}"/>
+                <a16:creationId xmlns:a16="http://schemas.microsoft.com/office/drawing/2014/main" id="{D4EB1B30-2DB4-4F6F-7DD6-628C375E6D8E}"/>
               </a:ext>
             </a:extLst>
           </p:cNvPr>
@@ -642,7 +642,7 @@
           <p:cNvPr id="4" name="日期占位符 3">
             <a:extLst>
               <a:ext uri="{FF2B5EF4-FFF2-40B4-BE49-F238E27FC236}">
-                <a16:creationId xmlns:a16="http://schemas.microsoft.com/office/drawing/2014/main" id="{AC6B5B96-E2B6-8C4D-5D0D-4A7B5263B11E}"/>
+                <a16:creationId xmlns:a16="http://schemas.microsoft.com/office/drawing/2014/main" id="{5EFB614E-30B1-3B91-DC79-4AF83EA8739C}"/>
               </a:ext>
             </a:extLst>
           </p:cNvPr>
@@ -658,7 +658,7 @@
           <a:bodyPr/>
           <a:lstStyle/>
           <a:p>
-            <a:fld id="{715AA3DE-EC98-4AF9-97DF-F4BC53C21373}" type="datetimeFigureOut">
+            <a:fld id="{82D64DA0-1561-4014-BFEE-4B127CE7E4EE}" type="datetimeFigureOut">
               <a:rPr lang="zh-CN" altLang="en-US" smtClean="0"/>
               <a:t>2024/3/10</a:t>
             </a:fld>
@@ -671,7 +671,7 @@
           <p:cNvPr id="5" name="页脚占位符 4">
             <a:extLst>
               <a:ext uri="{FF2B5EF4-FFF2-40B4-BE49-F238E27FC236}">
-                <a16:creationId xmlns:a16="http://schemas.microsoft.com/office/drawing/2014/main" id="{E06EE6E1-B329-E9CA-4563-23DA185A04A1}"/>
+                <a16:creationId xmlns:a16="http://schemas.microsoft.com/office/drawing/2014/main" id="{7A1B2E2A-8238-495C-B730-B7BA1C8C80DF}"/>
               </a:ext>
             </a:extLst>
           </p:cNvPr>
@@ -696,7 +696,7 @@
           <p:cNvPr id="6" name="灯片编号占位符 5">
             <a:extLst>
               <a:ext uri="{FF2B5EF4-FFF2-40B4-BE49-F238E27FC236}">
-                <a16:creationId xmlns:a16="http://schemas.microsoft.com/office/drawing/2014/main" id="{9234DE6C-E069-3B54-9292-D5B2B84DC505}"/>
+                <a16:creationId xmlns:a16="http://schemas.microsoft.com/office/drawing/2014/main" id="{26519B3C-32EA-FAAE-A760-1E6391F8D58A}"/>
               </a:ext>
             </a:extLst>
           </p:cNvPr>
@@ -712,7 +712,7 @@
           <a:bodyPr/>
           <a:lstStyle/>
           <a:p>
-            <a:fld id="{47007762-54D8-43CE-8EDB-3122152FD2E6}" type="slidenum">
+            <a:fld id="{3782B79C-B74E-4A09-A5A0-ED78ADBD8A9E}" type="slidenum">
               <a:rPr lang="zh-CN" altLang="en-US" smtClean="0"/>
               <a:t>‹#›</a:t>
             </a:fld>
@@ -723,7 +723,7 @@
     </p:spTree>
     <p:extLst>
       <p:ext uri="{BB962C8B-B14F-4D97-AF65-F5344CB8AC3E}">
-        <p14:creationId xmlns:p14="http://schemas.microsoft.com/office/powerpoint/2010/main" val="159441668"/>
+        <p14:creationId xmlns:p14="http://schemas.microsoft.com/office/powerpoint/2010/main" val="2518662370"/>
       </p:ext>
     </p:extLst>
   </p:cSld>
@@ -755,7 +755,7 @@
           <p:cNvPr id="2" name="标题 1">
             <a:extLst>
               <a:ext uri="{FF2B5EF4-FFF2-40B4-BE49-F238E27FC236}">
-                <a16:creationId xmlns:a16="http://schemas.microsoft.com/office/drawing/2014/main" id="{6CD75104-F7BD-B4E5-409B-29C3510953B6}"/>
+                <a16:creationId xmlns:a16="http://schemas.microsoft.com/office/drawing/2014/main" id="{EAD31C33-0F98-E320-D71F-7C1DB480F23D}"/>
               </a:ext>
             </a:extLst>
           </p:cNvPr>
@@ -783,7 +783,7 @@
           <p:cNvPr id="3" name="内容占位符 2">
             <a:extLst>
               <a:ext uri="{FF2B5EF4-FFF2-40B4-BE49-F238E27FC236}">
-                <a16:creationId xmlns:a16="http://schemas.microsoft.com/office/drawing/2014/main" id="{F926C1ED-F1AC-1B03-F352-FA8603B6D782}"/>
+                <a16:creationId xmlns:a16="http://schemas.microsoft.com/office/drawing/2014/main" id="{D4172853-BD32-B7F3-CC9F-FA11BB393CAA}"/>
               </a:ext>
             </a:extLst>
           </p:cNvPr>
@@ -840,7 +840,7 @@
           <p:cNvPr id="4" name="日期占位符 3">
             <a:extLst>
               <a:ext uri="{FF2B5EF4-FFF2-40B4-BE49-F238E27FC236}">
-                <a16:creationId xmlns:a16="http://schemas.microsoft.com/office/drawing/2014/main" id="{0237FD64-7483-36A5-1B99-2C0ADEFBDEED}"/>
+                <a16:creationId xmlns:a16="http://schemas.microsoft.com/office/drawing/2014/main" id="{31B46E3C-49E5-6284-5A74-6ED34188C25D}"/>
               </a:ext>
             </a:extLst>
           </p:cNvPr>
@@ -856,7 +856,7 @@
           <a:bodyPr/>
           <a:lstStyle/>
           <a:p>
-            <a:fld id="{715AA3DE-EC98-4AF9-97DF-F4BC53C21373}" type="datetimeFigureOut">
+            <a:fld id="{82D64DA0-1561-4014-BFEE-4B127CE7E4EE}" type="datetimeFigureOut">
               <a:rPr lang="zh-CN" altLang="en-US" smtClean="0"/>
               <a:t>2024/3/10</a:t>
             </a:fld>
@@ -869,7 +869,7 @@
           <p:cNvPr id="5" name="页脚占位符 4">
             <a:extLst>
               <a:ext uri="{FF2B5EF4-FFF2-40B4-BE49-F238E27FC236}">
-                <a16:creationId xmlns:a16="http://schemas.microsoft.com/office/drawing/2014/main" id="{A8D0AB23-0C17-8D17-C5FD-A3D8C091CBAB}"/>
+                <a16:creationId xmlns:a16="http://schemas.microsoft.com/office/drawing/2014/main" id="{E671CDBA-DDD3-C366-FD1E-62688D06A8DE}"/>
               </a:ext>
             </a:extLst>
           </p:cNvPr>
@@ -894,7 +894,7 @@
           <p:cNvPr id="6" name="灯片编号占位符 5">
             <a:extLst>
               <a:ext uri="{FF2B5EF4-FFF2-40B4-BE49-F238E27FC236}">
-                <a16:creationId xmlns:a16="http://schemas.microsoft.com/office/drawing/2014/main" id="{C822E94D-02B7-6EA8-5355-671B368402F5}"/>
+                <a16:creationId xmlns:a16="http://schemas.microsoft.com/office/drawing/2014/main" id="{73BB4149-04A3-5479-6BD4-B90856C2E39C}"/>
               </a:ext>
             </a:extLst>
           </p:cNvPr>
@@ -910,7 +910,7 @@
           <a:bodyPr/>
           <a:lstStyle/>
           <a:p>
-            <a:fld id="{47007762-54D8-43CE-8EDB-3122152FD2E6}" type="slidenum">
+            <a:fld id="{3782B79C-B74E-4A09-A5A0-ED78ADBD8A9E}" type="slidenum">
               <a:rPr lang="zh-CN" altLang="en-US" smtClean="0"/>
               <a:t>‹#›</a:t>
             </a:fld>
@@ -921,7 +921,7 @@
     </p:spTree>
     <p:extLst>
       <p:ext uri="{BB962C8B-B14F-4D97-AF65-F5344CB8AC3E}">
-        <p14:creationId xmlns:p14="http://schemas.microsoft.com/office/powerpoint/2010/main" val="1246102404"/>
+        <p14:creationId xmlns:p14="http://schemas.microsoft.com/office/powerpoint/2010/main" val="3456032555"/>
       </p:ext>
     </p:extLst>
   </p:cSld>
@@ -953,7 +953,7 @@
           <p:cNvPr id="2" name="标题 1">
             <a:extLst>
               <a:ext uri="{FF2B5EF4-FFF2-40B4-BE49-F238E27FC236}">
-                <a16:creationId xmlns:a16="http://schemas.microsoft.com/office/drawing/2014/main" id="{7C59A292-8156-A69D-B70A-DF0FEE5EC88B}"/>
+                <a16:creationId xmlns:a16="http://schemas.microsoft.com/office/drawing/2014/main" id="{DD63CA60-C486-99D4-91C8-265218C8C7CA}"/>
               </a:ext>
             </a:extLst>
           </p:cNvPr>
@@ -990,7 +990,7 @@
           <p:cNvPr id="3" name="文本占位符 2">
             <a:extLst>
               <a:ext uri="{FF2B5EF4-FFF2-40B4-BE49-F238E27FC236}">
-                <a16:creationId xmlns:a16="http://schemas.microsoft.com/office/drawing/2014/main" id="{90788ABB-C274-2DA1-9C86-941B14581341}"/>
+                <a16:creationId xmlns:a16="http://schemas.microsoft.com/office/drawing/2014/main" id="{AA147375-B51C-7B4D-EB45-5B066FFEEA98}"/>
               </a:ext>
             </a:extLst>
           </p:cNvPr>
@@ -1115,7 +1115,7 @@
           <p:cNvPr id="4" name="日期占位符 3">
             <a:extLst>
               <a:ext uri="{FF2B5EF4-FFF2-40B4-BE49-F238E27FC236}">
-                <a16:creationId xmlns:a16="http://schemas.microsoft.com/office/drawing/2014/main" id="{B42EE88B-F2CE-035B-0691-7CEBBB63B845}"/>
+                <a16:creationId xmlns:a16="http://schemas.microsoft.com/office/drawing/2014/main" id="{914C6BD5-0F0B-E64D-FCF7-AA0B3869A2CF}"/>
               </a:ext>
             </a:extLst>
           </p:cNvPr>
@@ -1131,7 +1131,7 @@
           <a:bodyPr/>
           <a:lstStyle/>
           <a:p>
-            <a:fld id="{715AA3DE-EC98-4AF9-97DF-F4BC53C21373}" type="datetimeFigureOut">
+            <a:fld id="{82D64DA0-1561-4014-BFEE-4B127CE7E4EE}" type="datetimeFigureOut">
               <a:rPr lang="zh-CN" altLang="en-US" smtClean="0"/>
               <a:t>2024/3/10</a:t>
             </a:fld>
@@ -1144,7 +1144,7 @@
           <p:cNvPr id="5" name="页脚占位符 4">
             <a:extLst>
               <a:ext uri="{FF2B5EF4-FFF2-40B4-BE49-F238E27FC236}">
-                <a16:creationId xmlns:a16="http://schemas.microsoft.com/office/drawing/2014/main" id="{8BD9E672-C49F-001B-F273-A570E05CAF13}"/>
+                <a16:creationId xmlns:a16="http://schemas.microsoft.com/office/drawing/2014/main" id="{3AA2A156-C10F-919B-B31E-F0720D60E3B3}"/>
               </a:ext>
             </a:extLst>
           </p:cNvPr>
@@ -1169,7 +1169,7 @@
           <p:cNvPr id="6" name="灯片编号占位符 5">
             <a:extLst>
               <a:ext uri="{FF2B5EF4-FFF2-40B4-BE49-F238E27FC236}">
-                <a16:creationId xmlns:a16="http://schemas.microsoft.com/office/drawing/2014/main" id="{8C5256BF-01E3-6708-5DB8-02BC30A0FD58}"/>
+                <a16:creationId xmlns:a16="http://schemas.microsoft.com/office/drawing/2014/main" id="{0E9623DF-81F8-7928-4359-AD33F504BBF8}"/>
               </a:ext>
             </a:extLst>
           </p:cNvPr>
@@ -1185,7 +1185,7 @@
           <a:bodyPr/>
           <a:lstStyle/>
           <a:p>
-            <a:fld id="{47007762-54D8-43CE-8EDB-3122152FD2E6}" type="slidenum">
+            <a:fld id="{3782B79C-B74E-4A09-A5A0-ED78ADBD8A9E}" type="slidenum">
               <a:rPr lang="zh-CN" altLang="en-US" smtClean="0"/>
               <a:t>‹#›</a:t>
             </a:fld>
@@ -1196,7 +1196,7 @@
     </p:spTree>
     <p:extLst>
       <p:ext uri="{BB962C8B-B14F-4D97-AF65-F5344CB8AC3E}">
-        <p14:creationId xmlns:p14="http://schemas.microsoft.com/office/powerpoint/2010/main" val="3379078522"/>
+        <p14:creationId xmlns:p14="http://schemas.microsoft.com/office/powerpoint/2010/main" val="3076256659"/>
       </p:ext>
     </p:extLst>
   </p:cSld>
@@ -1228,7 +1228,7 @@
           <p:cNvPr id="2" name="标题 1">
             <a:extLst>
               <a:ext uri="{FF2B5EF4-FFF2-40B4-BE49-F238E27FC236}">
-                <a16:creationId xmlns:a16="http://schemas.microsoft.com/office/drawing/2014/main" id="{B445807B-4281-B7F1-7A67-55E1C84C08F0}"/>
+                <a16:creationId xmlns:a16="http://schemas.microsoft.com/office/drawing/2014/main" id="{3D038607-8B44-2CC6-3695-EF995F077205}"/>
               </a:ext>
             </a:extLst>
           </p:cNvPr>
@@ -1256,7 +1256,7 @@
           <p:cNvPr id="3" name="内容占位符 2">
             <a:extLst>
               <a:ext uri="{FF2B5EF4-FFF2-40B4-BE49-F238E27FC236}">
-                <a16:creationId xmlns:a16="http://schemas.microsoft.com/office/drawing/2014/main" id="{A4BEDE58-6FF9-100E-1F9D-AC27B137C654}"/>
+                <a16:creationId xmlns:a16="http://schemas.microsoft.com/office/drawing/2014/main" id="{405FD088-CCFA-59D8-7A72-94C1EACCD037}"/>
               </a:ext>
             </a:extLst>
           </p:cNvPr>
@@ -1318,7 +1318,7 @@
           <p:cNvPr id="4" name="内容占位符 3">
             <a:extLst>
               <a:ext uri="{FF2B5EF4-FFF2-40B4-BE49-F238E27FC236}">
-                <a16:creationId xmlns:a16="http://schemas.microsoft.com/office/drawing/2014/main" id="{84610088-C710-1D17-4598-7221D43C079A}"/>
+                <a16:creationId xmlns:a16="http://schemas.microsoft.com/office/drawing/2014/main" id="{0503ECF2-1DBD-BA28-12A9-02F4161982B1}"/>
               </a:ext>
             </a:extLst>
           </p:cNvPr>
@@ -1380,7 +1380,7 @@
           <p:cNvPr id="5" name="日期占位符 4">
             <a:extLst>
               <a:ext uri="{FF2B5EF4-FFF2-40B4-BE49-F238E27FC236}">
-                <a16:creationId xmlns:a16="http://schemas.microsoft.com/office/drawing/2014/main" id="{428BC463-102B-C494-8EE7-0ABCA25F79EC}"/>
+                <a16:creationId xmlns:a16="http://schemas.microsoft.com/office/drawing/2014/main" id="{B0558028-0EED-CEB5-8B34-5F3FBE2ABF2C}"/>
               </a:ext>
             </a:extLst>
           </p:cNvPr>
@@ -1396,7 +1396,7 @@
           <a:bodyPr/>
           <a:lstStyle/>
           <a:p>
-            <a:fld id="{715AA3DE-EC98-4AF9-97DF-F4BC53C21373}" type="datetimeFigureOut">
+            <a:fld id="{82D64DA0-1561-4014-BFEE-4B127CE7E4EE}" type="datetimeFigureOut">
               <a:rPr lang="zh-CN" altLang="en-US" smtClean="0"/>
               <a:t>2024/3/10</a:t>
             </a:fld>
@@ -1409,7 +1409,7 @@
           <p:cNvPr id="6" name="页脚占位符 5">
             <a:extLst>
               <a:ext uri="{FF2B5EF4-FFF2-40B4-BE49-F238E27FC236}">
-                <a16:creationId xmlns:a16="http://schemas.microsoft.com/office/drawing/2014/main" id="{70BC9E84-F897-DE4F-27BB-BEBCE499F1A0}"/>
+                <a16:creationId xmlns:a16="http://schemas.microsoft.com/office/drawing/2014/main" id="{4BA0596F-02F5-9BF6-1367-1F47E8D055BA}"/>
               </a:ext>
             </a:extLst>
           </p:cNvPr>
@@ -1434,7 +1434,7 @@
           <p:cNvPr id="7" name="灯片编号占位符 6">
             <a:extLst>
               <a:ext uri="{FF2B5EF4-FFF2-40B4-BE49-F238E27FC236}">
-                <a16:creationId xmlns:a16="http://schemas.microsoft.com/office/drawing/2014/main" id="{BC7E0D45-8EC9-8F15-01C2-72102AEFEF12}"/>
+                <a16:creationId xmlns:a16="http://schemas.microsoft.com/office/drawing/2014/main" id="{12B470C0-4A58-854A-9AE6-3763953AF167}"/>
               </a:ext>
             </a:extLst>
           </p:cNvPr>
@@ -1450,7 +1450,7 @@
           <a:bodyPr/>
           <a:lstStyle/>
           <a:p>
-            <a:fld id="{47007762-54D8-43CE-8EDB-3122152FD2E6}" type="slidenum">
+            <a:fld id="{3782B79C-B74E-4A09-A5A0-ED78ADBD8A9E}" type="slidenum">
               <a:rPr lang="zh-CN" altLang="en-US" smtClean="0"/>
               <a:t>‹#›</a:t>
             </a:fld>
@@ -1461,7 +1461,7 @@
     </p:spTree>
     <p:extLst>
       <p:ext uri="{BB962C8B-B14F-4D97-AF65-F5344CB8AC3E}">
-        <p14:creationId xmlns:p14="http://schemas.microsoft.com/office/powerpoint/2010/main" val="1514397943"/>
+        <p14:creationId xmlns:p14="http://schemas.microsoft.com/office/powerpoint/2010/main" val="3500422184"/>
       </p:ext>
     </p:extLst>
   </p:cSld>
@@ -1493,7 +1493,7 @@
           <p:cNvPr id="2" name="标题 1">
             <a:extLst>
               <a:ext uri="{FF2B5EF4-FFF2-40B4-BE49-F238E27FC236}">
-                <a16:creationId xmlns:a16="http://schemas.microsoft.com/office/drawing/2014/main" id="{07E90DCD-278E-46D1-D552-1CD47C300195}"/>
+                <a16:creationId xmlns:a16="http://schemas.microsoft.com/office/drawing/2014/main" id="{101B185E-65E4-BEC3-1578-F527DE11F036}"/>
               </a:ext>
             </a:extLst>
           </p:cNvPr>
@@ -1526,7 +1526,7 @@
           <p:cNvPr id="3" name="文本占位符 2">
             <a:extLst>
               <a:ext uri="{FF2B5EF4-FFF2-40B4-BE49-F238E27FC236}">
-                <a16:creationId xmlns:a16="http://schemas.microsoft.com/office/drawing/2014/main" id="{6E531F69-2DCD-CD33-9CBE-350EA6FA47EB}"/>
+                <a16:creationId xmlns:a16="http://schemas.microsoft.com/office/drawing/2014/main" id="{19E8217C-878B-0105-3900-C6C33D5475A8}"/>
               </a:ext>
             </a:extLst>
           </p:cNvPr>
@@ -1597,7 +1597,7 @@
           <p:cNvPr id="4" name="内容占位符 3">
             <a:extLst>
               <a:ext uri="{FF2B5EF4-FFF2-40B4-BE49-F238E27FC236}">
-                <a16:creationId xmlns:a16="http://schemas.microsoft.com/office/drawing/2014/main" id="{5BEF6794-5588-76BE-EB41-243175C19416}"/>
+                <a16:creationId xmlns:a16="http://schemas.microsoft.com/office/drawing/2014/main" id="{4306D420-E68E-06B0-CAA0-1239CAB8875F}"/>
               </a:ext>
             </a:extLst>
           </p:cNvPr>
@@ -1659,7 +1659,7 @@
           <p:cNvPr id="5" name="文本占位符 4">
             <a:extLst>
               <a:ext uri="{FF2B5EF4-FFF2-40B4-BE49-F238E27FC236}">
-                <a16:creationId xmlns:a16="http://schemas.microsoft.com/office/drawing/2014/main" id="{BF2AB8B7-C243-2D95-4F91-382DA7CFE5C9}"/>
+                <a16:creationId xmlns:a16="http://schemas.microsoft.com/office/drawing/2014/main" id="{47954AAA-F363-DF9F-E49A-A4482A5F87AD}"/>
               </a:ext>
             </a:extLst>
           </p:cNvPr>
@@ -1730,7 +1730,7 @@
           <p:cNvPr id="6" name="内容占位符 5">
             <a:extLst>
               <a:ext uri="{FF2B5EF4-FFF2-40B4-BE49-F238E27FC236}">
-                <a16:creationId xmlns:a16="http://schemas.microsoft.com/office/drawing/2014/main" id="{B5FD9B1B-B8D7-6804-E48D-1236A98B9911}"/>
+                <a16:creationId xmlns:a16="http://schemas.microsoft.com/office/drawing/2014/main" id="{F102B8E1-BD9A-BC1B-51F9-551640F90BA8}"/>
               </a:ext>
             </a:extLst>
           </p:cNvPr>
@@ -1792,7 +1792,7 @@
           <p:cNvPr id="7" name="日期占位符 6">
             <a:extLst>
               <a:ext uri="{FF2B5EF4-FFF2-40B4-BE49-F238E27FC236}">
-                <a16:creationId xmlns:a16="http://schemas.microsoft.com/office/drawing/2014/main" id="{7F5376CE-8A6E-347F-25F6-F0DBAD87A2B0}"/>
+                <a16:creationId xmlns:a16="http://schemas.microsoft.com/office/drawing/2014/main" id="{35165CF3-5C3B-0F89-03C5-567C06D11165}"/>
               </a:ext>
             </a:extLst>
           </p:cNvPr>
@@ -1808,7 +1808,7 @@
           <a:bodyPr/>
           <a:lstStyle/>
           <a:p>
-            <a:fld id="{715AA3DE-EC98-4AF9-97DF-F4BC53C21373}" type="datetimeFigureOut">
+            <a:fld id="{82D64DA0-1561-4014-BFEE-4B127CE7E4EE}" type="datetimeFigureOut">
               <a:rPr lang="zh-CN" altLang="en-US" smtClean="0"/>
               <a:t>2024/3/10</a:t>
             </a:fld>
@@ -1821,7 +1821,7 @@
           <p:cNvPr id="8" name="页脚占位符 7">
             <a:extLst>
               <a:ext uri="{FF2B5EF4-FFF2-40B4-BE49-F238E27FC236}">
-                <a16:creationId xmlns:a16="http://schemas.microsoft.com/office/drawing/2014/main" id="{8143161F-634B-9C55-B66B-76171D615EAD}"/>
+                <a16:creationId xmlns:a16="http://schemas.microsoft.com/office/drawing/2014/main" id="{2B870195-85D0-8E76-5797-C6D707908EA2}"/>
               </a:ext>
             </a:extLst>
           </p:cNvPr>
@@ -1846,7 +1846,7 @@
           <p:cNvPr id="9" name="灯片编号占位符 8">
             <a:extLst>
               <a:ext uri="{FF2B5EF4-FFF2-40B4-BE49-F238E27FC236}">
-                <a16:creationId xmlns:a16="http://schemas.microsoft.com/office/drawing/2014/main" id="{31E433A1-3239-F3CD-039D-37B391DF0E47}"/>
+                <a16:creationId xmlns:a16="http://schemas.microsoft.com/office/drawing/2014/main" id="{AAD4F149-C73E-3437-ED28-DFFF46A9CC46}"/>
               </a:ext>
             </a:extLst>
           </p:cNvPr>
@@ -1862,7 +1862,7 @@
           <a:bodyPr/>
           <a:lstStyle/>
           <a:p>
-            <a:fld id="{47007762-54D8-43CE-8EDB-3122152FD2E6}" type="slidenum">
+            <a:fld id="{3782B79C-B74E-4A09-A5A0-ED78ADBD8A9E}" type="slidenum">
               <a:rPr lang="zh-CN" altLang="en-US" smtClean="0"/>
               <a:t>‹#›</a:t>
             </a:fld>
@@ -1873,7 +1873,7 @@
     </p:spTree>
     <p:extLst>
       <p:ext uri="{BB962C8B-B14F-4D97-AF65-F5344CB8AC3E}">
-        <p14:creationId xmlns:p14="http://schemas.microsoft.com/office/powerpoint/2010/main" val="4159651651"/>
+        <p14:creationId xmlns:p14="http://schemas.microsoft.com/office/powerpoint/2010/main" val="1239671598"/>
       </p:ext>
     </p:extLst>
   </p:cSld>
@@ -1905,7 +1905,7 @@
           <p:cNvPr id="2" name="标题 1">
             <a:extLst>
               <a:ext uri="{FF2B5EF4-FFF2-40B4-BE49-F238E27FC236}">
-                <a16:creationId xmlns:a16="http://schemas.microsoft.com/office/drawing/2014/main" id="{6061FA71-6180-9DC5-083B-3D9ADCD64EBF}"/>
+                <a16:creationId xmlns:a16="http://schemas.microsoft.com/office/drawing/2014/main" id="{F3881E5F-1B58-F771-0CE1-23F6A7719324}"/>
               </a:ext>
             </a:extLst>
           </p:cNvPr>
@@ -1933,7 +1933,7 @@
           <p:cNvPr id="3" name="日期占位符 2">
             <a:extLst>
               <a:ext uri="{FF2B5EF4-FFF2-40B4-BE49-F238E27FC236}">
-                <a16:creationId xmlns:a16="http://schemas.microsoft.com/office/drawing/2014/main" id="{94B9D280-582B-6A67-E95E-5373C88E464D}"/>
+                <a16:creationId xmlns:a16="http://schemas.microsoft.com/office/drawing/2014/main" id="{4AF583FF-8881-3135-070D-4884E12B9E38}"/>
               </a:ext>
             </a:extLst>
           </p:cNvPr>
@@ -1949,7 +1949,7 @@
           <a:bodyPr/>
           <a:lstStyle/>
           <a:p>
-            <a:fld id="{715AA3DE-EC98-4AF9-97DF-F4BC53C21373}" type="datetimeFigureOut">
+            <a:fld id="{82D64DA0-1561-4014-BFEE-4B127CE7E4EE}" type="datetimeFigureOut">
               <a:rPr lang="zh-CN" altLang="en-US" smtClean="0"/>
               <a:t>2024/3/10</a:t>
             </a:fld>
@@ -1962,7 +1962,7 @@
           <p:cNvPr id="4" name="页脚占位符 3">
             <a:extLst>
               <a:ext uri="{FF2B5EF4-FFF2-40B4-BE49-F238E27FC236}">
-                <a16:creationId xmlns:a16="http://schemas.microsoft.com/office/drawing/2014/main" id="{B1FD85B0-B548-8EC8-9E4F-811D2FE70489}"/>
+                <a16:creationId xmlns:a16="http://schemas.microsoft.com/office/drawing/2014/main" id="{37262C6E-4BE1-7A50-BD3B-23329F64C75F}"/>
               </a:ext>
             </a:extLst>
           </p:cNvPr>
@@ -1987,7 +1987,7 @@
           <p:cNvPr id="5" name="灯片编号占位符 4">
             <a:extLst>
               <a:ext uri="{FF2B5EF4-FFF2-40B4-BE49-F238E27FC236}">
-                <a16:creationId xmlns:a16="http://schemas.microsoft.com/office/drawing/2014/main" id="{DB9861B0-EFDC-5D59-30D7-1BE6732DE8B7}"/>
+                <a16:creationId xmlns:a16="http://schemas.microsoft.com/office/drawing/2014/main" id="{C0C73E22-D9D6-3E73-5960-64FD8AFE8F99}"/>
               </a:ext>
             </a:extLst>
           </p:cNvPr>
@@ -2003,7 +2003,7 @@
           <a:bodyPr/>
           <a:lstStyle/>
           <a:p>
-            <a:fld id="{47007762-54D8-43CE-8EDB-3122152FD2E6}" type="slidenum">
+            <a:fld id="{3782B79C-B74E-4A09-A5A0-ED78ADBD8A9E}" type="slidenum">
               <a:rPr lang="zh-CN" altLang="en-US" smtClean="0"/>
               <a:t>‹#›</a:t>
             </a:fld>
@@ -2014,7 +2014,7 @@
     </p:spTree>
     <p:extLst>
       <p:ext uri="{BB962C8B-B14F-4D97-AF65-F5344CB8AC3E}">
-        <p14:creationId xmlns:p14="http://schemas.microsoft.com/office/powerpoint/2010/main" val="1317437086"/>
+        <p14:creationId xmlns:p14="http://schemas.microsoft.com/office/powerpoint/2010/main" val="3476778302"/>
       </p:ext>
     </p:extLst>
   </p:cSld>
@@ -2046,7 +2046,7 @@
           <p:cNvPr id="2" name="日期占位符 1">
             <a:extLst>
               <a:ext uri="{FF2B5EF4-FFF2-40B4-BE49-F238E27FC236}">
-                <a16:creationId xmlns:a16="http://schemas.microsoft.com/office/drawing/2014/main" id="{A43186DE-D4D1-CB98-DA51-E0AB4CBA3773}"/>
+                <a16:creationId xmlns:a16="http://schemas.microsoft.com/office/drawing/2014/main" id="{2F05EF70-CBD8-3751-5B63-10D4FEBB35F3}"/>
               </a:ext>
             </a:extLst>
           </p:cNvPr>
@@ -2062,7 +2062,7 @@
           <a:bodyPr/>
           <a:lstStyle/>
           <a:p>
-            <a:fld id="{715AA3DE-EC98-4AF9-97DF-F4BC53C21373}" type="datetimeFigureOut">
+            <a:fld id="{82D64DA0-1561-4014-BFEE-4B127CE7E4EE}" type="datetimeFigureOut">
               <a:rPr lang="zh-CN" altLang="en-US" smtClean="0"/>
               <a:t>2024/3/10</a:t>
             </a:fld>
@@ -2075,7 +2075,7 @@
           <p:cNvPr id="3" name="页脚占位符 2">
             <a:extLst>
               <a:ext uri="{FF2B5EF4-FFF2-40B4-BE49-F238E27FC236}">
-                <a16:creationId xmlns:a16="http://schemas.microsoft.com/office/drawing/2014/main" id="{FC41B6D4-6480-D2F0-1BC0-C1DEC857040A}"/>
+                <a16:creationId xmlns:a16="http://schemas.microsoft.com/office/drawing/2014/main" id="{0B30D874-200E-7820-D5F2-70E9000F7229}"/>
               </a:ext>
             </a:extLst>
           </p:cNvPr>
@@ -2100,7 +2100,7 @@
           <p:cNvPr id="4" name="灯片编号占位符 3">
             <a:extLst>
               <a:ext uri="{FF2B5EF4-FFF2-40B4-BE49-F238E27FC236}">
-                <a16:creationId xmlns:a16="http://schemas.microsoft.com/office/drawing/2014/main" id="{FC653B6E-ED5F-0140-D0F7-3B748E2CB3F7}"/>
+                <a16:creationId xmlns:a16="http://schemas.microsoft.com/office/drawing/2014/main" id="{44E0AECC-562F-696C-1C7A-D000FD17BDA8}"/>
               </a:ext>
             </a:extLst>
           </p:cNvPr>
@@ -2116,7 +2116,7 @@
           <a:bodyPr/>
           <a:lstStyle/>
           <a:p>
-            <a:fld id="{47007762-54D8-43CE-8EDB-3122152FD2E6}" type="slidenum">
+            <a:fld id="{3782B79C-B74E-4A09-A5A0-ED78ADBD8A9E}" type="slidenum">
               <a:rPr lang="zh-CN" altLang="en-US" smtClean="0"/>
               <a:t>‹#›</a:t>
             </a:fld>
@@ -2127,7 +2127,7 @@
     </p:spTree>
     <p:extLst>
       <p:ext uri="{BB962C8B-B14F-4D97-AF65-F5344CB8AC3E}">
-        <p14:creationId xmlns:p14="http://schemas.microsoft.com/office/powerpoint/2010/main" val="155864737"/>
+        <p14:creationId xmlns:p14="http://schemas.microsoft.com/office/powerpoint/2010/main" val="3777465641"/>
       </p:ext>
     </p:extLst>
   </p:cSld>
@@ -2159,7 +2159,7 @@
           <p:cNvPr id="2" name="标题 1">
             <a:extLst>
               <a:ext uri="{FF2B5EF4-FFF2-40B4-BE49-F238E27FC236}">
-                <a16:creationId xmlns:a16="http://schemas.microsoft.com/office/drawing/2014/main" id="{7CEDBE0A-6487-C3D2-4AF5-EBD019D5D59D}"/>
+                <a16:creationId xmlns:a16="http://schemas.microsoft.com/office/drawing/2014/main" id="{9CE2A9F2-B1E5-ED63-2E7F-8C6616BC4A31}"/>
               </a:ext>
             </a:extLst>
           </p:cNvPr>
@@ -2196,7 +2196,7 @@
           <p:cNvPr id="3" name="内容占位符 2">
             <a:extLst>
               <a:ext uri="{FF2B5EF4-FFF2-40B4-BE49-F238E27FC236}">
-                <a16:creationId xmlns:a16="http://schemas.microsoft.com/office/drawing/2014/main" id="{8CBA0D67-7DB1-2FB6-8E57-4958919EAE67}"/>
+                <a16:creationId xmlns:a16="http://schemas.microsoft.com/office/drawing/2014/main" id="{531EC71C-F9FD-2510-45EE-9E2946988D25}"/>
               </a:ext>
             </a:extLst>
           </p:cNvPr>
@@ -2286,7 +2286,7 @@
           <p:cNvPr id="4" name="文本占位符 3">
             <a:extLst>
               <a:ext uri="{FF2B5EF4-FFF2-40B4-BE49-F238E27FC236}">
-                <a16:creationId xmlns:a16="http://schemas.microsoft.com/office/drawing/2014/main" id="{6158486A-5E52-54E5-2EF7-5234E64840B8}"/>
+                <a16:creationId xmlns:a16="http://schemas.microsoft.com/office/drawing/2014/main" id="{591BE092-887B-DF2B-52F7-54B15DF07F48}"/>
               </a:ext>
             </a:extLst>
           </p:cNvPr>
@@ -2357,7 +2357,7 @@
           <p:cNvPr id="5" name="日期占位符 4">
             <a:extLst>
               <a:ext uri="{FF2B5EF4-FFF2-40B4-BE49-F238E27FC236}">
-                <a16:creationId xmlns:a16="http://schemas.microsoft.com/office/drawing/2014/main" id="{8314EFD6-DE5D-A47C-DEBF-CADC2FA46971}"/>
+                <a16:creationId xmlns:a16="http://schemas.microsoft.com/office/drawing/2014/main" id="{125045D2-2C07-C4A2-0A7E-6FCFB1D19E0D}"/>
               </a:ext>
             </a:extLst>
           </p:cNvPr>
@@ -2373,7 +2373,7 @@
           <a:bodyPr/>
           <a:lstStyle/>
           <a:p>
-            <a:fld id="{715AA3DE-EC98-4AF9-97DF-F4BC53C21373}" type="datetimeFigureOut">
+            <a:fld id="{82D64DA0-1561-4014-BFEE-4B127CE7E4EE}" type="datetimeFigureOut">
               <a:rPr lang="zh-CN" altLang="en-US" smtClean="0"/>
               <a:t>2024/3/10</a:t>
             </a:fld>
@@ -2386,7 +2386,7 @@
           <p:cNvPr id="6" name="页脚占位符 5">
             <a:extLst>
               <a:ext uri="{FF2B5EF4-FFF2-40B4-BE49-F238E27FC236}">
-                <a16:creationId xmlns:a16="http://schemas.microsoft.com/office/drawing/2014/main" id="{BEBA6822-317E-24D9-A6B7-0659EC299D6D}"/>
+                <a16:creationId xmlns:a16="http://schemas.microsoft.com/office/drawing/2014/main" id="{EAC3CBAC-D5BA-2EF8-BEA6-5C31574EE01A}"/>
               </a:ext>
             </a:extLst>
           </p:cNvPr>
@@ -2411,7 +2411,7 @@
           <p:cNvPr id="7" name="灯片编号占位符 6">
             <a:extLst>
               <a:ext uri="{FF2B5EF4-FFF2-40B4-BE49-F238E27FC236}">
-                <a16:creationId xmlns:a16="http://schemas.microsoft.com/office/drawing/2014/main" id="{805FDF9B-04B7-EE41-1BB3-8124BB832812}"/>
+                <a16:creationId xmlns:a16="http://schemas.microsoft.com/office/drawing/2014/main" id="{55AC3639-7D7E-BB0F-FEE0-43612A4EC8EC}"/>
               </a:ext>
             </a:extLst>
           </p:cNvPr>
@@ -2427,7 +2427,7 @@
           <a:bodyPr/>
           <a:lstStyle/>
           <a:p>
-            <a:fld id="{47007762-54D8-43CE-8EDB-3122152FD2E6}" type="slidenum">
+            <a:fld id="{3782B79C-B74E-4A09-A5A0-ED78ADBD8A9E}" type="slidenum">
               <a:rPr lang="zh-CN" altLang="en-US" smtClean="0"/>
               <a:t>‹#›</a:t>
             </a:fld>
@@ -2438,7 +2438,7 @@
     </p:spTree>
     <p:extLst>
       <p:ext uri="{BB962C8B-B14F-4D97-AF65-F5344CB8AC3E}">
-        <p14:creationId xmlns:p14="http://schemas.microsoft.com/office/powerpoint/2010/main" val="3018510731"/>
+        <p14:creationId xmlns:p14="http://schemas.microsoft.com/office/powerpoint/2010/main" val="2697203967"/>
       </p:ext>
     </p:extLst>
   </p:cSld>
@@ -2470,7 +2470,7 @@
           <p:cNvPr id="2" name="标题 1">
             <a:extLst>
               <a:ext uri="{FF2B5EF4-FFF2-40B4-BE49-F238E27FC236}">
-                <a16:creationId xmlns:a16="http://schemas.microsoft.com/office/drawing/2014/main" id="{BB725C66-EC3F-6C5F-4CC6-F130B1B9EBBF}"/>
+                <a16:creationId xmlns:a16="http://schemas.microsoft.com/office/drawing/2014/main" id="{F63C4182-1387-E443-04C9-BB15D71C1586}"/>
               </a:ext>
             </a:extLst>
           </p:cNvPr>
@@ -2507,7 +2507,7 @@
           <p:cNvPr id="3" name="图片占位符 2">
             <a:extLst>
               <a:ext uri="{FF2B5EF4-FFF2-40B4-BE49-F238E27FC236}">
-                <a16:creationId xmlns:a16="http://schemas.microsoft.com/office/drawing/2014/main" id="{FACBB35A-7B05-7186-1344-2BF77497B923}"/>
+                <a16:creationId xmlns:a16="http://schemas.microsoft.com/office/drawing/2014/main" id="{305EB328-B51A-E991-F221-811CB5EEC992}"/>
               </a:ext>
             </a:extLst>
           </p:cNvPr>
@@ -2574,7 +2574,7 @@
           <p:cNvPr id="4" name="文本占位符 3">
             <a:extLst>
               <a:ext uri="{FF2B5EF4-FFF2-40B4-BE49-F238E27FC236}">
-                <a16:creationId xmlns:a16="http://schemas.microsoft.com/office/drawing/2014/main" id="{DB49BB9D-3C8C-28AB-0A0C-783513734E29}"/>
+                <a16:creationId xmlns:a16="http://schemas.microsoft.com/office/drawing/2014/main" id="{BCFD348C-35D4-7FC1-ECFA-C7D0324E72F8}"/>
               </a:ext>
             </a:extLst>
           </p:cNvPr>
@@ -2645,7 +2645,7 @@
           <p:cNvPr id="5" name="日期占位符 4">
             <a:extLst>
               <a:ext uri="{FF2B5EF4-FFF2-40B4-BE49-F238E27FC236}">
-                <a16:creationId xmlns:a16="http://schemas.microsoft.com/office/drawing/2014/main" id="{35E8AFF0-DCB9-8E4D-777B-3BAA6C25A2F1}"/>
+                <a16:creationId xmlns:a16="http://schemas.microsoft.com/office/drawing/2014/main" id="{7B6F6C97-9340-DCCC-701E-D84B288D027C}"/>
               </a:ext>
             </a:extLst>
           </p:cNvPr>
@@ -2661,7 +2661,7 @@
           <a:bodyPr/>
           <a:lstStyle/>
           <a:p>
-            <a:fld id="{715AA3DE-EC98-4AF9-97DF-F4BC53C21373}" type="datetimeFigureOut">
+            <a:fld id="{82D64DA0-1561-4014-BFEE-4B127CE7E4EE}" type="datetimeFigureOut">
               <a:rPr lang="zh-CN" altLang="en-US" smtClean="0"/>
               <a:t>2024/3/10</a:t>
             </a:fld>
@@ -2674,7 +2674,7 @@
           <p:cNvPr id="6" name="页脚占位符 5">
             <a:extLst>
               <a:ext uri="{FF2B5EF4-FFF2-40B4-BE49-F238E27FC236}">
-                <a16:creationId xmlns:a16="http://schemas.microsoft.com/office/drawing/2014/main" id="{3A85EB93-4344-D9E1-118A-2B19E7C3FC53}"/>
+                <a16:creationId xmlns:a16="http://schemas.microsoft.com/office/drawing/2014/main" id="{97AF97E7-35CB-1BF1-38DC-BE7F2D216E48}"/>
               </a:ext>
             </a:extLst>
           </p:cNvPr>
@@ -2699,7 +2699,7 @@
           <p:cNvPr id="7" name="灯片编号占位符 6">
             <a:extLst>
               <a:ext uri="{FF2B5EF4-FFF2-40B4-BE49-F238E27FC236}">
-                <a16:creationId xmlns:a16="http://schemas.microsoft.com/office/drawing/2014/main" id="{DE7EC9F3-817A-B0B5-7A6E-1044E5823655}"/>
+                <a16:creationId xmlns:a16="http://schemas.microsoft.com/office/drawing/2014/main" id="{F34A09C1-7353-35BA-2DF0-51B011E63780}"/>
               </a:ext>
             </a:extLst>
           </p:cNvPr>
@@ -2715,7 +2715,7 @@
           <a:bodyPr/>
           <a:lstStyle/>
           <a:p>
-            <a:fld id="{47007762-54D8-43CE-8EDB-3122152FD2E6}" type="slidenum">
+            <a:fld id="{3782B79C-B74E-4A09-A5A0-ED78ADBD8A9E}" type="slidenum">
               <a:rPr lang="zh-CN" altLang="en-US" smtClean="0"/>
               <a:t>‹#›</a:t>
             </a:fld>
@@ -2726,7 +2726,7 @@
     </p:spTree>
     <p:extLst>
       <p:ext uri="{BB962C8B-B14F-4D97-AF65-F5344CB8AC3E}">
-        <p14:creationId xmlns:p14="http://schemas.microsoft.com/office/powerpoint/2010/main" val="2550123114"/>
+        <p14:creationId xmlns:p14="http://schemas.microsoft.com/office/powerpoint/2010/main" val="2929078240"/>
       </p:ext>
     </p:extLst>
   </p:cSld>
@@ -2763,7 +2763,7 @@
           <p:cNvPr id="2" name="标题占位符 1">
             <a:extLst>
               <a:ext uri="{FF2B5EF4-FFF2-40B4-BE49-F238E27FC236}">
-                <a16:creationId xmlns:a16="http://schemas.microsoft.com/office/drawing/2014/main" id="{3B4E1645-7D42-01D0-B737-DCADF3C10BFC}"/>
+                <a16:creationId xmlns:a16="http://schemas.microsoft.com/office/drawing/2014/main" id="{A66C8677-DC78-DF75-93DA-C4A0FE8C134A}"/>
               </a:ext>
             </a:extLst>
           </p:cNvPr>
@@ -2801,7 +2801,7 @@
           <p:cNvPr id="3" name="文本占位符 2">
             <a:extLst>
               <a:ext uri="{FF2B5EF4-FFF2-40B4-BE49-F238E27FC236}">
-                <a16:creationId xmlns:a16="http://schemas.microsoft.com/office/drawing/2014/main" id="{9715504A-5D9C-DF4E-EC01-D0A79F94E003}"/>
+                <a16:creationId xmlns:a16="http://schemas.microsoft.com/office/drawing/2014/main" id="{23DD3458-0F8F-D552-0DCB-C598BCC8D9E4}"/>
               </a:ext>
             </a:extLst>
           </p:cNvPr>
@@ -2868,7 +2868,7 @@
           <p:cNvPr id="4" name="日期占位符 3">
             <a:extLst>
               <a:ext uri="{FF2B5EF4-FFF2-40B4-BE49-F238E27FC236}">
-                <a16:creationId xmlns:a16="http://schemas.microsoft.com/office/drawing/2014/main" id="{BF3EB9F4-8FE3-45E1-FB2A-95F55C9F7A14}"/>
+                <a16:creationId xmlns:a16="http://schemas.microsoft.com/office/drawing/2014/main" id="{81BEDCA3-155A-FEAB-FCBA-6B84BD9E9DAD}"/>
               </a:ext>
             </a:extLst>
           </p:cNvPr>
@@ -2902,7 +2902,7 @@
             </a:lvl1pPr>
           </a:lstStyle>
           <a:p>
-            <a:fld id="{715AA3DE-EC98-4AF9-97DF-F4BC53C21373}" type="datetimeFigureOut">
+            <a:fld id="{82D64DA0-1561-4014-BFEE-4B127CE7E4EE}" type="datetimeFigureOut">
               <a:rPr lang="zh-CN" altLang="en-US" smtClean="0"/>
               <a:t>2024/3/10</a:t>
             </a:fld>
@@ -2915,7 +2915,7 @@
           <p:cNvPr id="5" name="页脚占位符 4">
             <a:extLst>
               <a:ext uri="{FF2B5EF4-FFF2-40B4-BE49-F238E27FC236}">
-                <a16:creationId xmlns:a16="http://schemas.microsoft.com/office/drawing/2014/main" id="{9486B619-2E96-FE74-23F2-C7F88403D0E7}"/>
+                <a16:creationId xmlns:a16="http://schemas.microsoft.com/office/drawing/2014/main" id="{814E40BB-BB4E-77DE-2B08-7DBC85482C8E}"/>
               </a:ext>
             </a:extLst>
           </p:cNvPr>
@@ -2958,7 +2958,7 @@
           <p:cNvPr id="6" name="灯片编号占位符 5">
             <a:extLst>
               <a:ext uri="{FF2B5EF4-FFF2-40B4-BE49-F238E27FC236}">
-                <a16:creationId xmlns:a16="http://schemas.microsoft.com/office/drawing/2014/main" id="{42E6608F-99BC-2298-DFF2-A2147378941A}"/>
+                <a16:creationId xmlns:a16="http://schemas.microsoft.com/office/drawing/2014/main" id="{A7DC6843-C64C-1AA2-1E10-90B83BD8DD04}"/>
               </a:ext>
             </a:extLst>
           </p:cNvPr>
@@ -2992,7 +2992,7 @@
             </a:lvl1pPr>
           </a:lstStyle>
           <a:p>
-            <a:fld id="{47007762-54D8-43CE-8EDB-3122152FD2E6}" type="slidenum">
+            <a:fld id="{3782B79C-B74E-4A09-A5A0-ED78ADBD8A9E}" type="slidenum">
               <a:rPr lang="zh-CN" altLang="en-US" smtClean="0"/>
               <a:t>‹#›</a:t>
             </a:fld>
@@ -3003,7 +3003,7 @@
     </p:spTree>
     <p:extLst>
       <p:ext uri="{BB962C8B-B14F-4D97-AF65-F5344CB8AC3E}">
-        <p14:creationId xmlns:p14="http://schemas.microsoft.com/office/powerpoint/2010/main" val="1938952114"/>
+        <p14:creationId xmlns:p14="http://schemas.microsoft.com/office/powerpoint/2010/main" val="2675091947"/>
       </p:ext>
     </p:extLst>
   </p:cSld>
@@ -3323,7 +3323,7 @@
       </p:grpSpPr>
       <p:pic>
         <p:nvPicPr>
-          <p:cNvPr id="499714" name="Picture 2" descr="487"/>
+          <p:cNvPr id="500738" name="Picture 2" descr="488"/>
           <p:cNvPicPr>
             <a:picLocks noChangeAspect="1" noChangeArrowheads="1"/>
           </p:cNvPicPr>
